--- a/02-Programming-Languages.pptx
+++ b/02-Programming-Languages.pptx
@@ -321,7 +321,7 @@
           <a:p>
             <a:fld id="{3EA744D9-3FBE-48D8-BF2A-85DF203E4D20}" type="datetimeFigureOut">
               <a:rPr lang="bg-BG" smtClean="0"/>
-              <a:t>15.10.2015 г.</a:t>
+              <a:t>1.12.2015 г.</a:t>
             </a:fld>
             <a:endParaRPr lang="bg-BG"/>
           </a:p>
@@ -491,7 +491,7 @@
           <a:p>
             <a:fld id="{3EA744D9-3FBE-48D8-BF2A-85DF203E4D20}" type="datetimeFigureOut">
               <a:rPr lang="bg-BG" smtClean="0"/>
-              <a:t>15.10.2015 г.</a:t>
+              <a:t>1.12.2015 г.</a:t>
             </a:fld>
             <a:endParaRPr lang="bg-BG"/>
           </a:p>
@@ -671,7 +671,7 @@
           <a:p>
             <a:fld id="{3EA744D9-3FBE-48D8-BF2A-85DF203E4D20}" type="datetimeFigureOut">
               <a:rPr lang="bg-BG" smtClean="0"/>
-              <a:t>15.10.2015 г.</a:t>
+              <a:t>1.12.2015 г.</a:t>
             </a:fld>
             <a:endParaRPr lang="bg-BG"/>
           </a:p>
@@ -841,7 +841,7 @@
           <a:p>
             <a:fld id="{3EA744D9-3FBE-48D8-BF2A-85DF203E4D20}" type="datetimeFigureOut">
               <a:rPr lang="bg-BG" smtClean="0"/>
-              <a:t>15.10.2015 г.</a:t>
+              <a:t>1.12.2015 г.</a:t>
             </a:fld>
             <a:endParaRPr lang="bg-BG"/>
           </a:p>
@@ -1087,7 +1087,7 @@
           <a:p>
             <a:fld id="{3EA744D9-3FBE-48D8-BF2A-85DF203E4D20}" type="datetimeFigureOut">
               <a:rPr lang="bg-BG" smtClean="0"/>
-              <a:t>15.10.2015 г.</a:t>
+              <a:t>1.12.2015 г.</a:t>
             </a:fld>
             <a:endParaRPr lang="bg-BG"/>
           </a:p>
@@ -1375,7 +1375,7 @@
           <a:p>
             <a:fld id="{3EA744D9-3FBE-48D8-BF2A-85DF203E4D20}" type="datetimeFigureOut">
               <a:rPr lang="bg-BG" smtClean="0"/>
-              <a:t>15.10.2015 г.</a:t>
+              <a:t>1.12.2015 г.</a:t>
             </a:fld>
             <a:endParaRPr lang="bg-BG"/>
           </a:p>
@@ -1797,7 +1797,7 @@
           <a:p>
             <a:fld id="{3EA744D9-3FBE-48D8-BF2A-85DF203E4D20}" type="datetimeFigureOut">
               <a:rPr lang="bg-BG" smtClean="0"/>
-              <a:t>15.10.2015 г.</a:t>
+              <a:t>1.12.2015 г.</a:t>
             </a:fld>
             <a:endParaRPr lang="bg-BG"/>
           </a:p>
@@ -1915,7 +1915,7 @@
           <a:p>
             <a:fld id="{3EA744D9-3FBE-48D8-BF2A-85DF203E4D20}" type="datetimeFigureOut">
               <a:rPr lang="bg-BG" smtClean="0"/>
-              <a:t>15.10.2015 г.</a:t>
+              <a:t>1.12.2015 г.</a:t>
             </a:fld>
             <a:endParaRPr lang="bg-BG"/>
           </a:p>
@@ -2010,7 +2010,7 @@
           <a:p>
             <a:fld id="{3EA744D9-3FBE-48D8-BF2A-85DF203E4D20}" type="datetimeFigureOut">
               <a:rPr lang="bg-BG" smtClean="0"/>
-              <a:t>15.10.2015 г.</a:t>
+              <a:t>1.12.2015 г.</a:t>
             </a:fld>
             <a:endParaRPr lang="bg-BG"/>
           </a:p>
@@ -2287,7 +2287,7 @@
           <a:p>
             <a:fld id="{3EA744D9-3FBE-48D8-BF2A-85DF203E4D20}" type="datetimeFigureOut">
               <a:rPr lang="bg-BG" smtClean="0"/>
-              <a:t>15.10.2015 г.</a:t>
+              <a:t>1.12.2015 г.</a:t>
             </a:fld>
             <a:endParaRPr lang="bg-BG"/>
           </a:p>
@@ -2540,7 +2540,7 @@
           <a:p>
             <a:fld id="{3EA744D9-3FBE-48D8-BF2A-85DF203E4D20}" type="datetimeFigureOut">
               <a:rPr lang="bg-BG" smtClean="0"/>
-              <a:t>15.10.2015 г.</a:t>
+              <a:t>1.12.2015 г.</a:t>
             </a:fld>
             <a:endParaRPr lang="bg-BG"/>
           </a:p>
@@ -2762,7 +2762,7 @@
           <a:p>
             <a:fld id="{3EA744D9-3FBE-48D8-BF2A-85DF203E4D20}" type="datetimeFigureOut">
               <a:rPr lang="bg-BG" smtClean="0"/>
-              <a:t>15.10.2015 г.</a:t>
+              <a:t>1.12.2015 г.</a:t>
             </a:fld>
             <a:endParaRPr lang="bg-BG"/>
           </a:p>
@@ -4896,7 +4896,37 @@
                   </a:schemeClr>
                 </a:solidFill>
               </a:rPr>
-              <a:t>Асемблерни </a:t>
+              <a:t></a:t>
+            </a:r>
+            <a:r>
+              <a:rPr lang="en-US" dirty="0" smtClean="0">
+                <a:solidFill>
+                  <a:schemeClr val="bg1">
+                    <a:lumMod val="95000"/>
+                  </a:schemeClr>
+                </a:solidFill>
+              </a:rPr>
+              <a:t>A</a:t>
+            </a:r>
+            <a:r>
+              <a:rPr lang="bg-BG" dirty="0" err="1" smtClean="0">
+                <a:solidFill>
+                  <a:schemeClr val="bg1">
+                    <a:lumMod val="95000"/>
+                  </a:schemeClr>
+                </a:solidFill>
+              </a:rPr>
+              <a:t>семблерни</a:t>
+            </a:r>
+            <a:r>
+              <a:rPr lang="bg-BG" dirty="0" smtClean="0">
+                <a:solidFill>
+                  <a:schemeClr val="bg1">
+                    <a:lumMod val="95000"/>
+                  </a:schemeClr>
+                </a:solidFill>
+              </a:rPr>
+              <a:t> </a:t>
             </a:r>
             <a:r>
               <a:rPr lang="bg-BG" dirty="0" smtClean="0">
